--- a/rxjs.pptx
+++ b/rxjs.pptx
@@ -5,19 +5,19 @@
     <p:sldMasterId id="2147483648" r:id="rId1"/>
   </p:sldMasterIdLst>
   <p:sldIdLst>
-    <p:sldId id="256" r:id="rId3"/>
-    <p:sldId id="257" r:id="rId4"/>
-    <p:sldId id="258" r:id="rId5"/>
-    <p:sldId id="259" r:id="rId6"/>
-    <p:sldId id="260" r:id="rId7"/>
-    <p:sldId id="261" r:id="rId8"/>
-    <p:sldId id="262" r:id="rId9"/>
-    <p:sldId id="263" r:id="rId10"/>
-    <p:sldId id="264" r:id="rId11"/>
-    <p:sldId id="265" r:id="rId12"/>
-    <p:sldId id="266" r:id="rId13"/>
-    <p:sldId id="267" r:id="rId14"/>
-    <p:sldId id="268" r:id="rId15"/>
+    <p:sldId id="256" r:id="rId2"/>
+    <p:sldId id="257" r:id="rId3"/>
+    <p:sldId id="258" r:id="rId4"/>
+    <p:sldId id="259" r:id="rId5"/>
+    <p:sldId id="260" r:id="rId6"/>
+    <p:sldId id="261" r:id="rId7"/>
+    <p:sldId id="262" r:id="rId8"/>
+    <p:sldId id="263" r:id="rId9"/>
+    <p:sldId id="264" r:id="rId10"/>
+    <p:sldId id="265" r:id="rId11"/>
+    <p:sldId id="266" r:id="rId12"/>
+    <p:sldId id="267" r:id="rId13"/>
+    <p:sldId id="268" r:id="rId14"/>
   </p:sldIdLst>
   <p:sldSz cx="12192000" cy="6858000"/>
   <p:notesSz cx="6858000" cy="9144000"/>
@@ -116,6 +116,11 @@
       </a:defRPr>
     </a:lvl9pPr>
   </p:defaultTextStyle>
+  <p:extLst>
+    <p:ext uri="{EFAFB233-063F-42B5-8137-9DF3F51BA10A}">
+      <p15:sldGuideLst xmlns:p15="http://schemas.microsoft.com/office/powerpoint/2012/main"/>
+    </p:ext>
+  </p:extLst>
 </p:presentation>
 </file>
 
@@ -161,10 +166,9 @@
           </a:lstStyle>
           <a:p>
             <a:r>
-              <a:rPr lang="zh-CN" altLang="en-US" smtClean="0"/>
+              <a:rPr lang="zh-CN" altLang="en-US"/>
               <a:t>单击此处编辑母版标题样式</a:t>
             </a:r>
-            <a:endParaRPr lang="zh-CN" altLang="en-US"/>
           </a:p>
         </p:txBody>
       </p:sp>
@@ -226,10 +230,9 @@
           </a:lstStyle>
           <a:p>
             <a:r>
-              <a:rPr lang="zh-CN" altLang="en-US" smtClean="0"/>
+              <a:rPr lang="zh-CN" altLang="en-US"/>
               <a:t>单击此处编辑母版副标题样式</a:t>
             </a:r>
-            <a:endParaRPr lang="zh-CN" altLang="en-US"/>
           </a:p>
         </p:txBody>
       </p:sp>
@@ -250,6 +253,7 @@
           <a:p>
             <a:fld id="{D997B5FA-0921-464F-AAE1-844C04324D75}" type="datetimeFigureOut">
               <a:rPr lang="zh-CN" altLang="en-US" smtClean="0"/>
+              <a:t>2016/12/29</a:t>
             </a:fld>
             <a:endParaRPr lang="zh-CN" altLang="en-US"/>
           </a:p>
@@ -291,6 +295,7 @@
           <a:p>
             <a:fld id="{565CE74E-AB26-4998-AD42-012C4C1AD076}" type="slidenum">
               <a:rPr lang="zh-CN" altLang="en-US" smtClean="0"/>
+              <a:t>‹#›</a:t>
             </a:fld>
             <a:endParaRPr lang="zh-CN" altLang="en-US"/>
           </a:p>
@@ -337,10 +342,9 @@
           <a:lstStyle/>
           <a:p>
             <a:r>
-              <a:rPr lang="zh-CN" altLang="en-US" smtClean="0"/>
+              <a:rPr lang="zh-CN" altLang="en-US"/>
               <a:t>单击此处编辑母版标题样式</a:t>
             </a:r>
-            <a:endParaRPr lang="zh-CN" altLang="en-US"/>
           </a:p>
         </p:txBody>
       </p:sp>
@@ -361,42 +365,37 @@
           <a:p>
             <a:pPr lvl="0"/>
             <a:r>
-              <a:rPr lang="zh-CN" altLang="en-US" smtClean="0"/>
+              <a:rPr lang="zh-CN" altLang="en-US"/>
               <a:t>单击此处编辑母版文本样式</a:t>
             </a:r>
-            <a:endParaRPr lang="zh-CN" altLang="en-US" smtClean="0"/>
           </a:p>
           <a:p>
             <a:pPr lvl="1"/>
             <a:r>
-              <a:rPr lang="zh-CN" altLang="en-US" smtClean="0"/>
+              <a:rPr lang="zh-CN" altLang="en-US"/>
               <a:t>第二级</a:t>
             </a:r>
-            <a:endParaRPr lang="zh-CN" altLang="en-US" smtClean="0"/>
           </a:p>
           <a:p>
             <a:pPr lvl="2"/>
             <a:r>
-              <a:rPr lang="zh-CN" altLang="en-US" smtClean="0"/>
+              <a:rPr lang="zh-CN" altLang="en-US"/>
               <a:t>第三级</a:t>
             </a:r>
-            <a:endParaRPr lang="zh-CN" altLang="en-US" smtClean="0"/>
           </a:p>
           <a:p>
             <a:pPr lvl="3"/>
             <a:r>
-              <a:rPr lang="zh-CN" altLang="en-US" smtClean="0"/>
+              <a:rPr lang="zh-CN" altLang="en-US"/>
               <a:t>第四级</a:t>
             </a:r>
-            <a:endParaRPr lang="zh-CN" altLang="en-US" smtClean="0"/>
           </a:p>
           <a:p>
             <a:pPr lvl="4"/>
             <a:r>
-              <a:rPr lang="zh-CN" altLang="en-US" smtClean="0"/>
+              <a:rPr lang="zh-CN" altLang="en-US"/>
               <a:t>第五级</a:t>
             </a:r>
-            <a:endParaRPr lang="zh-CN" altLang="en-US"/>
           </a:p>
         </p:txBody>
       </p:sp>
@@ -417,6 +416,7 @@
           <a:p>
             <a:fld id="{D997B5FA-0921-464F-AAE1-844C04324D75}" type="datetimeFigureOut">
               <a:rPr lang="zh-CN" altLang="en-US" smtClean="0"/>
+              <a:t>2016/12/29</a:t>
             </a:fld>
             <a:endParaRPr lang="zh-CN" altLang="en-US"/>
           </a:p>
@@ -458,6 +458,7 @@
           <a:p>
             <a:fld id="{565CE74E-AB26-4998-AD42-012C4C1AD076}" type="slidenum">
               <a:rPr lang="zh-CN" altLang="en-US" smtClean="0"/>
+              <a:t>‹#›</a:t>
             </a:fld>
             <a:endParaRPr lang="zh-CN" altLang="en-US"/>
           </a:p>
@@ -509,10 +510,9 @@
           <a:lstStyle/>
           <a:p>
             <a:r>
-              <a:rPr lang="zh-CN" altLang="en-US" smtClean="0"/>
+              <a:rPr lang="zh-CN" altLang="en-US"/>
               <a:t>单击此处编辑母版标题样式</a:t>
             </a:r>
-            <a:endParaRPr lang="zh-CN" altLang="en-US"/>
           </a:p>
         </p:txBody>
       </p:sp>
@@ -538,42 +538,37 @@
           <a:p>
             <a:pPr lvl="0"/>
             <a:r>
-              <a:rPr lang="zh-CN" altLang="en-US" smtClean="0"/>
+              <a:rPr lang="zh-CN" altLang="en-US"/>
               <a:t>单击此处编辑母版文本样式</a:t>
             </a:r>
-            <a:endParaRPr lang="zh-CN" altLang="en-US" smtClean="0"/>
           </a:p>
           <a:p>
             <a:pPr lvl="1"/>
             <a:r>
-              <a:rPr lang="zh-CN" altLang="en-US" smtClean="0"/>
+              <a:rPr lang="zh-CN" altLang="en-US"/>
               <a:t>第二级</a:t>
             </a:r>
-            <a:endParaRPr lang="zh-CN" altLang="en-US" smtClean="0"/>
           </a:p>
           <a:p>
             <a:pPr lvl="2"/>
             <a:r>
-              <a:rPr lang="zh-CN" altLang="en-US" smtClean="0"/>
+              <a:rPr lang="zh-CN" altLang="en-US"/>
               <a:t>第三级</a:t>
             </a:r>
-            <a:endParaRPr lang="zh-CN" altLang="en-US" smtClean="0"/>
           </a:p>
           <a:p>
             <a:pPr lvl="3"/>
             <a:r>
-              <a:rPr lang="zh-CN" altLang="en-US" smtClean="0"/>
+              <a:rPr lang="zh-CN" altLang="en-US"/>
               <a:t>第四级</a:t>
             </a:r>
-            <a:endParaRPr lang="zh-CN" altLang="en-US" smtClean="0"/>
           </a:p>
           <a:p>
             <a:pPr lvl="4"/>
             <a:r>
-              <a:rPr lang="zh-CN" altLang="en-US" smtClean="0"/>
+              <a:rPr lang="zh-CN" altLang="en-US"/>
               <a:t>第五级</a:t>
             </a:r>
-            <a:endParaRPr lang="zh-CN" altLang="en-US"/>
           </a:p>
         </p:txBody>
       </p:sp>
@@ -594,6 +589,7 @@
           <a:p>
             <a:fld id="{D997B5FA-0921-464F-AAE1-844C04324D75}" type="datetimeFigureOut">
               <a:rPr lang="zh-CN" altLang="en-US" smtClean="0"/>
+              <a:t>2016/12/29</a:t>
             </a:fld>
             <a:endParaRPr lang="zh-CN" altLang="en-US"/>
           </a:p>
@@ -635,6 +631,7 @@
           <a:p>
             <a:fld id="{565CE74E-AB26-4998-AD42-012C4C1AD076}" type="slidenum">
               <a:rPr lang="zh-CN" altLang="en-US" smtClean="0"/>
+              <a:t>‹#›</a:t>
             </a:fld>
             <a:endParaRPr lang="zh-CN" altLang="en-US"/>
           </a:p>
@@ -681,10 +678,9 @@
           <a:lstStyle/>
           <a:p>
             <a:r>
-              <a:rPr lang="zh-CN" altLang="en-US" smtClean="0"/>
+              <a:rPr lang="zh-CN" altLang="en-US"/>
               <a:t>单击此处编辑母版标题样式</a:t>
             </a:r>
-            <a:endParaRPr lang="zh-CN" altLang="en-US"/>
           </a:p>
         </p:txBody>
       </p:sp>
@@ -705,42 +701,37 @@
           <a:p>
             <a:pPr lvl="0"/>
             <a:r>
-              <a:rPr lang="zh-CN" altLang="en-US" smtClean="0"/>
+              <a:rPr lang="zh-CN" altLang="en-US"/>
               <a:t>单击此处编辑母版文本样式</a:t>
             </a:r>
-            <a:endParaRPr lang="zh-CN" altLang="en-US" smtClean="0"/>
           </a:p>
           <a:p>
             <a:pPr lvl="1"/>
             <a:r>
-              <a:rPr lang="zh-CN" altLang="en-US" smtClean="0"/>
+              <a:rPr lang="zh-CN" altLang="en-US"/>
               <a:t>第二级</a:t>
             </a:r>
-            <a:endParaRPr lang="zh-CN" altLang="en-US" smtClean="0"/>
           </a:p>
           <a:p>
             <a:pPr lvl="2"/>
             <a:r>
-              <a:rPr lang="zh-CN" altLang="en-US" smtClean="0"/>
+              <a:rPr lang="zh-CN" altLang="en-US"/>
               <a:t>第三级</a:t>
             </a:r>
-            <a:endParaRPr lang="zh-CN" altLang="en-US" smtClean="0"/>
           </a:p>
           <a:p>
             <a:pPr lvl="3"/>
             <a:r>
-              <a:rPr lang="zh-CN" altLang="en-US" smtClean="0"/>
+              <a:rPr lang="zh-CN" altLang="en-US"/>
               <a:t>第四级</a:t>
             </a:r>
-            <a:endParaRPr lang="zh-CN" altLang="en-US" smtClean="0"/>
           </a:p>
           <a:p>
             <a:pPr lvl="4"/>
             <a:r>
-              <a:rPr lang="zh-CN" altLang="en-US" smtClean="0"/>
+              <a:rPr lang="zh-CN" altLang="en-US"/>
               <a:t>第五级</a:t>
             </a:r>
-            <a:endParaRPr lang="zh-CN" altLang="en-US"/>
           </a:p>
         </p:txBody>
       </p:sp>
@@ -761,6 +752,7 @@
           <a:p>
             <a:fld id="{D997B5FA-0921-464F-AAE1-844C04324D75}" type="datetimeFigureOut">
               <a:rPr lang="zh-CN" altLang="en-US" smtClean="0"/>
+              <a:t>2016/12/29</a:t>
             </a:fld>
             <a:endParaRPr lang="zh-CN" altLang="en-US"/>
           </a:p>
@@ -802,6 +794,7 @@
           <a:p>
             <a:fld id="{565CE74E-AB26-4998-AD42-012C4C1AD076}" type="slidenum">
               <a:rPr lang="zh-CN" altLang="en-US" smtClean="0"/>
+              <a:t>‹#›</a:t>
             </a:fld>
             <a:endParaRPr lang="zh-CN" altLang="en-US"/>
           </a:p>
@@ -857,10 +850,9 @@
           </a:lstStyle>
           <a:p>
             <a:r>
-              <a:rPr lang="zh-CN" altLang="en-US" smtClean="0"/>
+              <a:rPr lang="zh-CN" altLang="en-US"/>
               <a:t>单击此处编辑母版标题样式</a:t>
             </a:r>
-            <a:endParaRPr lang="zh-CN" altLang="en-US"/>
           </a:p>
         </p:txBody>
       </p:sp>
@@ -977,10 +969,9 @@
           <a:p>
             <a:pPr lvl="0"/>
             <a:r>
-              <a:rPr lang="zh-CN" altLang="en-US" smtClean="0"/>
+              <a:rPr lang="zh-CN" altLang="en-US"/>
               <a:t>单击此处编辑母版文本样式</a:t>
             </a:r>
-            <a:endParaRPr lang="zh-CN" altLang="en-US" smtClean="0"/>
           </a:p>
         </p:txBody>
       </p:sp>
@@ -1001,6 +992,7 @@
           <a:p>
             <a:fld id="{D997B5FA-0921-464F-AAE1-844C04324D75}" type="datetimeFigureOut">
               <a:rPr lang="zh-CN" altLang="en-US" smtClean="0"/>
+              <a:t>2016/12/29</a:t>
             </a:fld>
             <a:endParaRPr lang="zh-CN" altLang="en-US"/>
           </a:p>
@@ -1042,6 +1034,7 @@
           <a:p>
             <a:fld id="{565CE74E-AB26-4998-AD42-012C4C1AD076}" type="slidenum">
               <a:rPr lang="zh-CN" altLang="en-US" smtClean="0"/>
+              <a:t>‹#›</a:t>
             </a:fld>
             <a:endParaRPr lang="zh-CN" altLang="en-US"/>
           </a:p>
@@ -1088,10 +1081,9 @@
           <a:lstStyle/>
           <a:p>
             <a:r>
-              <a:rPr lang="zh-CN" altLang="en-US" smtClean="0"/>
+              <a:rPr lang="zh-CN" altLang="en-US"/>
               <a:t>单击此处编辑母版标题样式</a:t>
             </a:r>
-            <a:endParaRPr lang="zh-CN" altLang="en-US"/>
           </a:p>
         </p:txBody>
       </p:sp>
@@ -1117,42 +1109,37 @@
           <a:p>
             <a:pPr lvl="0"/>
             <a:r>
-              <a:rPr lang="zh-CN" altLang="en-US" smtClean="0"/>
+              <a:rPr lang="zh-CN" altLang="en-US"/>
               <a:t>单击此处编辑母版文本样式</a:t>
             </a:r>
-            <a:endParaRPr lang="zh-CN" altLang="en-US" smtClean="0"/>
           </a:p>
           <a:p>
             <a:pPr lvl="1"/>
             <a:r>
-              <a:rPr lang="zh-CN" altLang="en-US" smtClean="0"/>
+              <a:rPr lang="zh-CN" altLang="en-US"/>
               <a:t>第二级</a:t>
             </a:r>
-            <a:endParaRPr lang="zh-CN" altLang="en-US" smtClean="0"/>
           </a:p>
           <a:p>
             <a:pPr lvl="2"/>
             <a:r>
-              <a:rPr lang="zh-CN" altLang="en-US" smtClean="0"/>
+              <a:rPr lang="zh-CN" altLang="en-US"/>
               <a:t>第三级</a:t>
             </a:r>
-            <a:endParaRPr lang="zh-CN" altLang="en-US" smtClean="0"/>
           </a:p>
           <a:p>
             <a:pPr lvl="3"/>
             <a:r>
-              <a:rPr lang="zh-CN" altLang="en-US" smtClean="0"/>
+              <a:rPr lang="zh-CN" altLang="en-US"/>
               <a:t>第四级</a:t>
             </a:r>
-            <a:endParaRPr lang="zh-CN" altLang="en-US" smtClean="0"/>
           </a:p>
           <a:p>
             <a:pPr lvl="4"/>
             <a:r>
-              <a:rPr lang="zh-CN" altLang="en-US" smtClean="0"/>
+              <a:rPr lang="zh-CN" altLang="en-US"/>
               <a:t>第五级</a:t>
             </a:r>
-            <a:endParaRPr lang="zh-CN" altLang="en-US"/>
           </a:p>
         </p:txBody>
       </p:sp>
@@ -1178,42 +1165,37 @@
           <a:p>
             <a:pPr lvl="0"/>
             <a:r>
-              <a:rPr lang="zh-CN" altLang="en-US" smtClean="0"/>
+              <a:rPr lang="zh-CN" altLang="en-US"/>
               <a:t>单击此处编辑母版文本样式</a:t>
             </a:r>
-            <a:endParaRPr lang="zh-CN" altLang="en-US" smtClean="0"/>
           </a:p>
           <a:p>
             <a:pPr lvl="1"/>
             <a:r>
-              <a:rPr lang="zh-CN" altLang="en-US" smtClean="0"/>
+              <a:rPr lang="zh-CN" altLang="en-US"/>
               <a:t>第二级</a:t>
             </a:r>
-            <a:endParaRPr lang="zh-CN" altLang="en-US" smtClean="0"/>
           </a:p>
           <a:p>
             <a:pPr lvl="2"/>
             <a:r>
-              <a:rPr lang="zh-CN" altLang="en-US" smtClean="0"/>
+              <a:rPr lang="zh-CN" altLang="en-US"/>
               <a:t>第三级</a:t>
             </a:r>
-            <a:endParaRPr lang="zh-CN" altLang="en-US" smtClean="0"/>
           </a:p>
           <a:p>
             <a:pPr lvl="3"/>
             <a:r>
-              <a:rPr lang="zh-CN" altLang="en-US" smtClean="0"/>
+              <a:rPr lang="zh-CN" altLang="en-US"/>
               <a:t>第四级</a:t>
             </a:r>
-            <a:endParaRPr lang="zh-CN" altLang="en-US" smtClean="0"/>
           </a:p>
           <a:p>
             <a:pPr lvl="4"/>
             <a:r>
-              <a:rPr lang="zh-CN" altLang="en-US" smtClean="0"/>
+              <a:rPr lang="zh-CN" altLang="en-US"/>
               <a:t>第五级</a:t>
             </a:r>
-            <a:endParaRPr lang="zh-CN" altLang="en-US"/>
           </a:p>
         </p:txBody>
       </p:sp>
@@ -1234,6 +1216,7 @@
           <a:p>
             <a:fld id="{D997B5FA-0921-464F-AAE1-844C04324D75}" type="datetimeFigureOut">
               <a:rPr lang="zh-CN" altLang="en-US" smtClean="0"/>
+              <a:t>2016/12/29</a:t>
             </a:fld>
             <a:endParaRPr lang="zh-CN" altLang="en-US"/>
           </a:p>
@@ -1275,6 +1258,7 @@
           <a:p>
             <a:fld id="{565CE74E-AB26-4998-AD42-012C4C1AD076}" type="slidenum">
               <a:rPr lang="zh-CN" altLang="en-US" smtClean="0"/>
+              <a:t>‹#›</a:t>
             </a:fld>
             <a:endParaRPr lang="zh-CN" altLang="en-US"/>
           </a:p>
@@ -1326,10 +1310,9 @@
           <a:lstStyle/>
           <a:p>
             <a:r>
-              <a:rPr lang="zh-CN" altLang="en-US" smtClean="0"/>
+              <a:rPr lang="zh-CN" altLang="en-US"/>
               <a:t>单击此处编辑母版标题样式</a:t>
             </a:r>
-            <a:endParaRPr lang="zh-CN" altLang="en-US"/>
           </a:p>
         </p:txBody>
       </p:sp>
@@ -1392,10 +1375,9 @@
           <a:p>
             <a:pPr lvl="0"/>
             <a:r>
-              <a:rPr lang="zh-CN" altLang="en-US" smtClean="0"/>
+              <a:rPr lang="zh-CN" altLang="en-US"/>
               <a:t>单击此处编辑母版文本样式</a:t>
             </a:r>
-            <a:endParaRPr lang="zh-CN" altLang="en-US" smtClean="0"/>
           </a:p>
         </p:txBody>
       </p:sp>
@@ -1421,42 +1403,37 @@
           <a:p>
             <a:pPr lvl="0"/>
             <a:r>
-              <a:rPr lang="zh-CN" altLang="en-US" smtClean="0"/>
+              <a:rPr lang="zh-CN" altLang="en-US"/>
               <a:t>单击此处编辑母版文本样式</a:t>
             </a:r>
-            <a:endParaRPr lang="zh-CN" altLang="en-US" smtClean="0"/>
           </a:p>
           <a:p>
             <a:pPr lvl="1"/>
             <a:r>
-              <a:rPr lang="zh-CN" altLang="en-US" smtClean="0"/>
+              <a:rPr lang="zh-CN" altLang="en-US"/>
               <a:t>第二级</a:t>
             </a:r>
-            <a:endParaRPr lang="zh-CN" altLang="en-US" smtClean="0"/>
           </a:p>
           <a:p>
             <a:pPr lvl="2"/>
             <a:r>
-              <a:rPr lang="zh-CN" altLang="en-US" smtClean="0"/>
+              <a:rPr lang="zh-CN" altLang="en-US"/>
               <a:t>第三级</a:t>
             </a:r>
-            <a:endParaRPr lang="zh-CN" altLang="en-US" smtClean="0"/>
           </a:p>
           <a:p>
             <a:pPr lvl="3"/>
             <a:r>
-              <a:rPr lang="zh-CN" altLang="en-US" smtClean="0"/>
+              <a:rPr lang="zh-CN" altLang="en-US"/>
               <a:t>第四级</a:t>
             </a:r>
-            <a:endParaRPr lang="zh-CN" altLang="en-US" smtClean="0"/>
           </a:p>
           <a:p>
             <a:pPr lvl="4"/>
             <a:r>
-              <a:rPr lang="zh-CN" altLang="en-US" smtClean="0"/>
+              <a:rPr lang="zh-CN" altLang="en-US"/>
               <a:t>第五级</a:t>
             </a:r>
-            <a:endParaRPr lang="zh-CN" altLang="en-US"/>
           </a:p>
         </p:txBody>
       </p:sp>
@@ -1519,10 +1496,9 @@
           <a:p>
             <a:pPr lvl="0"/>
             <a:r>
-              <a:rPr lang="zh-CN" altLang="en-US" smtClean="0"/>
+              <a:rPr lang="zh-CN" altLang="en-US"/>
               <a:t>单击此处编辑母版文本样式</a:t>
             </a:r>
-            <a:endParaRPr lang="zh-CN" altLang="en-US" smtClean="0"/>
           </a:p>
         </p:txBody>
       </p:sp>
@@ -1548,42 +1524,37 @@
           <a:p>
             <a:pPr lvl="0"/>
             <a:r>
-              <a:rPr lang="zh-CN" altLang="en-US" smtClean="0"/>
+              <a:rPr lang="zh-CN" altLang="en-US"/>
               <a:t>单击此处编辑母版文本样式</a:t>
             </a:r>
-            <a:endParaRPr lang="zh-CN" altLang="en-US" smtClean="0"/>
           </a:p>
           <a:p>
             <a:pPr lvl="1"/>
             <a:r>
-              <a:rPr lang="zh-CN" altLang="en-US" smtClean="0"/>
+              <a:rPr lang="zh-CN" altLang="en-US"/>
               <a:t>第二级</a:t>
             </a:r>
-            <a:endParaRPr lang="zh-CN" altLang="en-US" smtClean="0"/>
           </a:p>
           <a:p>
             <a:pPr lvl="2"/>
             <a:r>
-              <a:rPr lang="zh-CN" altLang="en-US" smtClean="0"/>
+              <a:rPr lang="zh-CN" altLang="en-US"/>
               <a:t>第三级</a:t>
             </a:r>
-            <a:endParaRPr lang="zh-CN" altLang="en-US" smtClean="0"/>
           </a:p>
           <a:p>
             <a:pPr lvl="3"/>
             <a:r>
-              <a:rPr lang="zh-CN" altLang="en-US" smtClean="0"/>
+              <a:rPr lang="zh-CN" altLang="en-US"/>
               <a:t>第四级</a:t>
             </a:r>
-            <a:endParaRPr lang="zh-CN" altLang="en-US" smtClean="0"/>
           </a:p>
           <a:p>
             <a:pPr lvl="4"/>
             <a:r>
-              <a:rPr lang="zh-CN" altLang="en-US" smtClean="0"/>
+              <a:rPr lang="zh-CN" altLang="en-US"/>
               <a:t>第五级</a:t>
             </a:r>
-            <a:endParaRPr lang="zh-CN" altLang="en-US"/>
           </a:p>
         </p:txBody>
       </p:sp>
@@ -1604,6 +1575,7 @@
           <a:p>
             <a:fld id="{D997B5FA-0921-464F-AAE1-844C04324D75}" type="datetimeFigureOut">
               <a:rPr lang="zh-CN" altLang="en-US" smtClean="0"/>
+              <a:t>2016/12/29</a:t>
             </a:fld>
             <a:endParaRPr lang="zh-CN" altLang="en-US"/>
           </a:p>
@@ -1645,6 +1617,7 @@
           <a:p>
             <a:fld id="{565CE74E-AB26-4998-AD42-012C4C1AD076}" type="slidenum">
               <a:rPr lang="zh-CN" altLang="en-US" smtClean="0"/>
+              <a:t>‹#›</a:t>
             </a:fld>
             <a:endParaRPr lang="zh-CN" altLang="en-US"/>
           </a:p>
@@ -1691,10 +1664,9 @@
           <a:lstStyle/>
           <a:p>
             <a:r>
-              <a:rPr lang="zh-CN" altLang="en-US" smtClean="0"/>
+              <a:rPr lang="zh-CN" altLang="en-US"/>
               <a:t>单击此处编辑母版标题样式</a:t>
             </a:r>
-            <a:endParaRPr lang="zh-CN" altLang="en-US"/>
           </a:p>
         </p:txBody>
       </p:sp>
@@ -1715,6 +1687,7 @@
           <a:p>
             <a:fld id="{D997B5FA-0921-464F-AAE1-844C04324D75}" type="datetimeFigureOut">
               <a:rPr lang="zh-CN" altLang="en-US" smtClean="0"/>
+              <a:t>2016/12/29</a:t>
             </a:fld>
             <a:endParaRPr lang="zh-CN" altLang="en-US"/>
           </a:p>
@@ -1756,6 +1729,7 @@
           <a:p>
             <a:fld id="{565CE74E-AB26-4998-AD42-012C4C1AD076}" type="slidenum">
               <a:rPr lang="zh-CN" altLang="en-US" smtClean="0"/>
+              <a:t>‹#›</a:t>
             </a:fld>
             <a:endParaRPr lang="zh-CN" altLang="en-US"/>
           </a:p>
@@ -1803,6 +1777,7 @@
           <a:p>
             <a:fld id="{D997B5FA-0921-464F-AAE1-844C04324D75}" type="datetimeFigureOut">
               <a:rPr lang="zh-CN" altLang="en-US" smtClean="0"/>
+              <a:t>2016/12/29</a:t>
             </a:fld>
             <a:endParaRPr lang="zh-CN" altLang="en-US"/>
           </a:p>
@@ -1844,6 +1819,7 @@
           <a:p>
             <a:fld id="{565CE74E-AB26-4998-AD42-012C4C1AD076}" type="slidenum">
               <a:rPr lang="zh-CN" altLang="en-US" smtClean="0"/>
+              <a:t>‹#›</a:t>
             </a:fld>
             <a:endParaRPr lang="zh-CN" altLang="en-US"/>
           </a:p>
@@ -1899,10 +1875,9 @@
           </a:lstStyle>
           <a:p>
             <a:r>
-              <a:rPr lang="zh-CN" altLang="en-US" smtClean="0"/>
+              <a:rPr lang="zh-CN" altLang="en-US"/>
               <a:t>单击此处编辑母版标题样式</a:t>
             </a:r>
-            <a:endParaRPr lang="zh-CN" altLang="en-US"/>
           </a:p>
         </p:txBody>
       </p:sp>
@@ -1956,42 +1931,37 @@
           <a:p>
             <a:pPr lvl="0"/>
             <a:r>
-              <a:rPr lang="zh-CN" altLang="en-US" smtClean="0"/>
+              <a:rPr lang="zh-CN" altLang="en-US"/>
               <a:t>单击此处编辑母版文本样式</a:t>
             </a:r>
-            <a:endParaRPr lang="zh-CN" altLang="en-US" smtClean="0"/>
           </a:p>
           <a:p>
             <a:pPr lvl="1"/>
             <a:r>
-              <a:rPr lang="zh-CN" altLang="en-US" smtClean="0"/>
+              <a:rPr lang="zh-CN" altLang="en-US"/>
               <a:t>第二级</a:t>
             </a:r>
-            <a:endParaRPr lang="zh-CN" altLang="en-US" smtClean="0"/>
           </a:p>
           <a:p>
             <a:pPr lvl="2"/>
             <a:r>
-              <a:rPr lang="zh-CN" altLang="en-US" smtClean="0"/>
+              <a:rPr lang="zh-CN" altLang="en-US"/>
               <a:t>第三级</a:t>
             </a:r>
-            <a:endParaRPr lang="zh-CN" altLang="en-US" smtClean="0"/>
           </a:p>
           <a:p>
             <a:pPr lvl="3"/>
             <a:r>
-              <a:rPr lang="zh-CN" altLang="en-US" smtClean="0"/>
+              <a:rPr lang="zh-CN" altLang="en-US"/>
               <a:t>第四级</a:t>
             </a:r>
-            <a:endParaRPr lang="zh-CN" altLang="en-US" smtClean="0"/>
           </a:p>
           <a:p>
             <a:pPr lvl="4"/>
             <a:r>
-              <a:rPr lang="zh-CN" altLang="en-US" smtClean="0"/>
+              <a:rPr lang="zh-CN" altLang="en-US"/>
               <a:t>第五级</a:t>
             </a:r>
-            <a:endParaRPr lang="zh-CN" altLang="en-US"/>
           </a:p>
         </p:txBody>
       </p:sp>
@@ -2054,10 +2024,9 @@
           <a:p>
             <a:pPr lvl="0"/>
             <a:r>
-              <a:rPr lang="zh-CN" altLang="en-US" smtClean="0"/>
+              <a:rPr lang="zh-CN" altLang="en-US"/>
               <a:t>单击此处编辑母版文本样式</a:t>
             </a:r>
-            <a:endParaRPr lang="zh-CN" altLang="en-US" smtClean="0"/>
           </a:p>
         </p:txBody>
       </p:sp>
@@ -2078,6 +2047,7 @@
           <a:p>
             <a:fld id="{D997B5FA-0921-464F-AAE1-844C04324D75}" type="datetimeFigureOut">
               <a:rPr lang="zh-CN" altLang="en-US" smtClean="0"/>
+              <a:t>2016/12/29</a:t>
             </a:fld>
             <a:endParaRPr lang="zh-CN" altLang="en-US"/>
           </a:p>
@@ -2119,6 +2089,7 @@
           <a:p>
             <a:fld id="{565CE74E-AB26-4998-AD42-012C4C1AD076}" type="slidenum">
               <a:rPr lang="zh-CN" altLang="en-US" smtClean="0"/>
+              <a:t>‹#›</a:t>
             </a:fld>
             <a:endParaRPr lang="zh-CN" altLang="en-US"/>
           </a:p>
@@ -2174,10 +2145,9 @@
           </a:lstStyle>
           <a:p>
             <a:r>
-              <a:rPr lang="zh-CN" altLang="en-US" smtClean="0"/>
+              <a:rPr lang="zh-CN" altLang="en-US"/>
               <a:t>单击此处编辑母版标题样式</a:t>
             </a:r>
-            <a:endParaRPr lang="zh-CN" altLang="en-US"/>
           </a:p>
         </p:txBody>
       </p:sp>
@@ -2301,10 +2271,9 @@
           <a:p>
             <a:pPr lvl="0"/>
             <a:r>
-              <a:rPr lang="zh-CN" altLang="en-US" smtClean="0"/>
+              <a:rPr lang="zh-CN" altLang="en-US"/>
               <a:t>单击此处编辑母版文本样式</a:t>
             </a:r>
-            <a:endParaRPr lang="zh-CN" altLang="en-US" smtClean="0"/>
           </a:p>
         </p:txBody>
       </p:sp>
@@ -2325,6 +2294,7 @@
           <a:p>
             <a:fld id="{D997B5FA-0921-464F-AAE1-844C04324D75}" type="datetimeFigureOut">
               <a:rPr lang="zh-CN" altLang="en-US" smtClean="0"/>
+              <a:t>2016/12/29</a:t>
             </a:fld>
             <a:endParaRPr lang="zh-CN" altLang="en-US"/>
           </a:p>
@@ -2366,6 +2336,7 @@
           <a:p>
             <a:fld id="{565CE74E-AB26-4998-AD42-012C4C1AD076}" type="slidenum">
               <a:rPr lang="zh-CN" altLang="en-US" smtClean="0"/>
+              <a:t>‹#›</a:t>
             </a:fld>
             <a:endParaRPr lang="zh-CN" altLang="en-US"/>
           </a:p>
@@ -2427,10 +2398,9 @@
           <a:lstStyle/>
           <a:p>
             <a:r>
-              <a:rPr lang="zh-CN" altLang="en-US" smtClean="0"/>
+              <a:rPr lang="zh-CN" altLang="en-US"/>
               <a:t>单击此处编辑母版标题样式</a:t>
             </a:r>
-            <a:endParaRPr lang="zh-CN" altLang="en-US"/>
           </a:p>
         </p:txBody>
       </p:sp>
@@ -2461,42 +2431,37 @@
           <a:p>
             <a:pPr lvl="0"/>
             <a:r>
-              <a:rPr lang="zh-CN" altLang="en-US" smtClean="0"/>
+              <a:rPr lang="zh-CN" altLang="en-US"/>
               <a:t>单击此处编辑母版文本样式</a:t>
             </a:r>
-            <a:endParaRPr lang="zh-CN" altLang="en-US" smtClean="0"/>
           </a:p>
           <a:p>
             <a:pPr lvl="1"/>
             <a:r>
-              <a:rPr lang="zh-CN" altLang="en-US" smtClean="0"/>
+              <a:rPr lang="zh-CN" altLang="en-US"/>
               <a:t>第二级</a:t>
             </a:r>
-            <a:endParaRPr lang="zh-CN" altLang="en-US" smtClean="0"/>
           </a:p>
           <a:p>
             <a:pPr lvl="2"/>
             <a:r>
-              <a:rPr lang="zh-CN" altLang="en-US" smtClean="0"/>
+              <a:rPr lang="zh-CN" altLang="en-US"/>
               <a:t>第三级</a:t>
             </a:r>
-            <a:endParaRPr lang="zh-CN" altLang="en-US" smtClean="0"/>
           </a:p>
           <a:p>
             <a:pPr lvl="3"/>
             <a:r>
-              <a:rPr lang="zh-CN" altLang="en-US" smtClean="0"/>
+              <a:rPr lang="zh-CN" altLang="en-US"/>
               <a:t>第四级</a:t>
             </a:r>
-            <a:endParaRPr lang="zh-CN" altLang="en-US" smtClean="0"/>
           </a:p>
           <a:p>
             <a:pPr lvl="4"/>
             <a:r>
-              <a:rPr lang="zh-CN" altLang="en-US" smtClean="0"/>
+              <a:rPr lang="zh-CN" altLang="en-US"/>
               <a:t>第五级</a:t>
             </a:r>
-            <a:endParaRPr lang="zh-CN" altLang="en-US"/>
           </a:p>
         </p:txBody>
       </p:sp>
@@ -2535,6 +2500,7 @@
           <a:p>
             <a:fld id="{D997B5FA-0921-464F-AAE1-844C04324D75}" type="datetimeFigureOut">
               <a:rPr lang="zh-CN" altLang="en-US" smtClean="0"/>
+              <a:t>2016/12/29</a:t>
             </a:fld>
             <a:endParaRPr lang="zh-CN" altLang="en-US"/>
           </a:p>
@@ -2612,6 +2578,7 @@
           <a:p>
             <a:fld id="{565CE74E-AB26-4998-AD42-012C4C1AD076}" type="slidenum">
               <a:rPr lang="zh-CN" altLang="en-US" smtClean="0"/>
+              <a:t>‹#›</a:t>
             </a:fld>
             <a:endParaRPr lang="zh-CN" altLang="en-US"/>
           </a:p>
@@ -2925,7 +2892,14 @@
         <p:cNvGrpSpPr/>
         <p:nvPr/>
       </p:nvGrpSpPr>
-      <p:grpSpPr/>
+      <p:grpSpPr>
+        <a:xfrm>
+          <a:off x="0" y="0"/>
+          <a:ext cx="0" cy="0"/>
+          <a:chOff x="0" y="0"/>
+          <a:chExt cx="0" cy="0"/>
+        </a:xfrm>
+      </p:grpSpPr>
       <p:sp>
         <p:nvSpPr>
           <p:cNvPr id="2" name="标题 1"/>
@@ -2946,6 +2920,7 @@
           <a:bodyPr>
             <a:normAutofit/>
           </a:bodyPr>
+          <a:lstStyle/>
           <a:p>
             <a:pPr algn="ctr">
               <a:lnSpc>
@@ -2956,7 +2931,6 @@
               <a:rPr lang="en-US" altLang="zh-CN"/>
               <a:t>RXJS</a:t>
             </a:r>
-            <a:endParaRPr lang="en-US" altLang="zh-CN"/>
           </a:p>
         </p:txBody>
       </p:sp>
@@ -2973,21 +2947,33 @@
         <p:spPr/>
         <p:txBody>
           <a:bodyPr/>
-          <a:p>
-            <a:r>
-              <a:rPr lang="zh-CN" altLang="en-US"/>
+          <a:lstStyle/>
+          <a:p>
+            <a:r>
+              <a:rPr lang="zh-CN" altLang="en-US" dirty="0"/>
               <a:t>响应式编程</a:t>
             </a:r>
-            <a:endParaRPr lang="zh-CN" altLang="en-US"/>
-          </a:p>
-          <a:p>
-            <a:r>
-              <a:rPr lang="zh-CN" altLang="en-US" sz="1600">
+          </a:p>
+          <a:p>
+            <a:r>
+              <a:rPr lang="zh-CN" altLang="en-US" sz="1600" dirty="0">
                 <a:sym typeface="+mn-ea"/>
               </a:rPr>
               <a:t>Reactive Programming</a:t>
             </a:r>
-            <a:endParaRPr lang="zh-CN" altLang="en-US" sz="1600"/>
+            <a:endParaRPr lang="en-US" altLang="zh-CN" sz="1600" dirty="0">
+              <a:sym typeface="+mn-ea"/>
+            </a:endParaRPr>
+          </a:p>
+          <a:p>
+            <a:endParaRPr lang="en-US" altLang="zh-CN" sz="1600" dirty="0"/>
+          </a:p>
+          <a:p>
+            <a:r>
+              <a:rPr lang="en-US" altLang="zh-CN" sz="1600" dirty="0"/>
+              <a:t>https://github.com/Reactive-Extensions/RxJS</a:t>
+            </a:r>
+            <a:endParaRPr lang="zh-CN" altLang="en-US" sz="1600" dirty="0"/>
           </a:p>
         </p:txBody>
       </p:sp>
@@ -3008,7 +2994,14 @@
         <p:cNvGrpSpPr/>
         <p:nvPr/>
       </p:nvGrpSpPr>
-      <p:grpSpPr/>
+      <p:grpSpPr>
+        <a:xfrm>
+          <a:off x="0" y="0"/>
+          <a:ext cx="0" cy="0"/>
+          <a:chOff x="0" y="0"/>
+          <a:chExt cx="0" cy="0"/>
+        </a:xfrm>
+      </p:grpSpPr>
       <p:sp>
         <p:nvSpPr>
           <p:cNvPr id="2" name="标题 1"/>
@@ -3029,13 +3022,13 @@
           <a:bodyPr>
             <a:normAutofit/>
           </a:bodyPr>
+          <a:lstStyle/>
           <a:p>
             <a:pPr algn="l"/>
             <a:r>
               <a:rPr lang="zh-CN" altLang="en-US" sz="4000"/>
               <a:t>观察者(Observer)</a:t>
             </a:r>
-            <a:endParaRPr lang="zh-CN" altLang="en-US" sz="4000"/>
           </a:p>
         </p:txBody>
       </p:sp>
@@ -3059,19 +3052,18 @@
           <a:bodyPr wrap="square" rtlCol="0" anchor="t">
             <a:spAutoFit/>
           </a:bodyPr>
+          <a:lstStyle/>
           <a:p>
             <a:r>
               <a:rPr lang="zh-CN" altLang="en-US"/>
               <a:t>观察者代表模型的消费者一端。它负责被可观察序列对象发送过来的值进行处理和反馈。观察者的API简单，基于迭代者模式它定义了</a:t>
             </a:r>
-            <a:endParaRPr lang="zh-CN" altLang="en-US"/>
           </a:p>
           <a:p>
             <a:r>
               <a:rPr lang="zh-CN" altLang="en-US"/>
               <a:t>next方法。当事件执行结果推向到可观察对象的时候，这个方法就会被调用。</a:t>
             </a:r>
-            <a:endParaRPr lang="zh-CN" altLang="en-US"/>
           </a:p>
         </p:txBody>
       </p:sp>
@@ -3092,7 +3084,14 @@
         <p:cNvGrpSpPr/>
         <p:nvPr/>
       </p:nvGrpSpPr>
-      <p:grpSpPr/>
+      <p:grpSpPr>
+        <a:xfrm>
+          <a:off x="0" y="0"/>
+          <a:ext cx="0" cy="0"/>
+          <a:chOff x="0" y="0"/>
+          <a:chExt cx="0" cy="0"/>
+        </a:xfrm>
+      </p:grpSpPr>
       <p:sp>
         <p:nvSpPr>
           <p:cNvPr id="2" name="标题 1"/>
@@ -3113,6 +3112,7 @@
           <a:bodyPr>
             <a:normAutofit/>
           </a:bodyPr>
+          <a:lstStyle/>
           <a:p>
             <a:pPr algn="l"/>
             <a:r>
@@ -3123,7 +3123,6 @@
               <a:rPr lang="zh-CN" altLang="zh-CN" sz="2000"/>
               <a:t>创建可观察序列对象</a:t>
             </a:r>
-            <a:endParaRPr lang="zh-CN" altLang="zh-CN" sz="2000"/>
           </a:p>
         </p:txBody>
       </p:sp>
@@ -3147,12 +3146,12 @@
           <a:bodyPr wrap="square" rtlCol="0">
             <a:spAutoFit/>
           </a:bodyPr>
+          <a:lstStyle/>
           <a:p>
             <a:r>
               <a:rPr lang="en-US" altLang="zh-CN"/>
               <a:t>index.js</a:t>
             </a:r>
-            <a:endParaRPr lang="en-US" altLang="zh-CN"/>
           </a:p>
         </p:txBody>
       </p:sp>
@@ -3173,7 +3172,14 @@
         <p:cNvGrpSpPr/>
         <p:nvPr/>
       </p:nvGrpSpPr>
-      <p:grpSpPr/>
+      <p:grpSpPr>
+        <a:xfrm>
+          <a:off x="0" y="0"/>
+          <a:ext cx="0" cy="0"/>
+          <a:chOff x="0" y="0"/>
+          <a:chExt cx="0" cy="0"/>
+        </a:xfrm>
+      </p:grpSpPr>
       <p:sp>
         <p:nvSpPr>
           <p:cNvPr id="2" name="标题 1"/>
@@ -3194,13 +3200,13 @@
           <a:bodyPr>
             <a:normAutofit/>
           </a:bodyPr>
+          <a:lstStyle/>
           <a:p>
             <a:pPr algn="l"/>
             <a:r>
               <a:rPr lang="en-US" altLang="zh-CN" sz="4000"/>
               <a:t>bindCallBack</a:t>
             </a:r>
-            <a:endParaRPr lang="en-US" altLang="zh-CN" sz="4000"/>
           </a:p>
         </p:txBody>
       </p:sp>
@@ -3217,12 +3223,12 @@
         <p:spPr/>
         <p:txBody>
           <a:bodyPr/>
+          <a:lstStyle/>
           <a:p>
             <a:r>
               <a:rPr lang="en-US" altLang="zh-CN"/>
               <a:t>callback.js</a:t>
             </a:r>
-            <a:endParaRPr lang="en-US" altLang="zh-CN"/>
           </a:p>
         </p:txBody>
       </p:sp>
@@ -3246,12 +3252,12 @@
           <a:bodyPr wrap="none" rtlCol="0">
             <a:spAutoFit/>
           </a:bodyPr>
+          <a:lstStyle/>
           <a:p>
             <a:r>
               <a:rPr lang="zh-CN" altLang="en-US"/>
               <a:t>绑定回调函数</a:t>
             </a:r>
-            <a:endParaRPr lang="zh-CN" altLang="en-US"/>
           </a:p>
         </p:txBody>
       </p:sp>
@@ -3272,7 +3278,14 @@
         <p:cNvGrpSpPr/>
         <p:nvPr/>
       </p:nvGrpSpPr>
-      <p:grpSpPr/>
+      <p:grpSpPr>
+        <a:xfrm>
+          <a:off x="0" y="0"/>
+          <a:ext cx="0" cy="0"/>
+          <a:chOff x="0" y="0"/>
+          <a:chExt cx="0" cy="0"/>
+        </a:xfrm>
+      </p:grpSpPr>
       <p:sp>
         <p:nvSpPr>
           <p:cNvPr id="2" name="标题 1"/>
@@ -3293,6 +3306,7 @@
           <a:bodyPr>
             <a:normAutofit fontScale="90000"/>
           </a:bodyPr>
+          <a:lstStyle/>
           <a:p>
             <a:r>
               <a:rPr lang="en-US" altLang="zh-CN"/>
@@ -3302,7 +3316,6 @@
               <a:rPr lang="zh-CN" altLang="en-US"/>
               <a:t>合并流</a:t>
             </a:r>
-            <a:endParaRPr lang="zh-CN" altLang="en-US"/>
           </a:p>
         </p:txBody>
       </p:sp>
@@ -3324,13 +3337,13 @@
         </p:spPr>
         <p:txBody>
           <a:bodyPr/>
+          <a:lstStyle/>
           <a:p>
             <a:pPr algn="l"/>
             <a:r>
               <a:rPr lang="en-US" altLang="zh-CN"/>
               <a:t>concat.js</a:t>
             </a:r>
-            <a:endParaRPr lang="en-US" altLang="zh-CN"/>
           </a:p>
         </p:txBody>
       </p:sp>
@@ -3351,11 +3364,20 @@
         <p:cNvGrpSpPr/>
         <p:nvPr/>
       </p:nvGrpSpPr>
-      <p:grpSpPr/>
+      <p:grpSpPr>
+        <a:xfrm>
+          <a:off x="0" y="0"/>
+          <a:ext cx="0" cy="0"/>
+          <a:chOff x="0" y="0"/>
+          <a:chExt cx="0" cy="0"/>
+        </a:xfrm>
+      </p:grpSpPr>
       <p:sp>
         <p:nvSpPr>
           <p:cNvPr id="6" name="标题 5"/>
-          <p:cNvSpPr/>
+          <p:cNvSpPr>
+            <a:spLocks noGrp="1"/>
+          </p:cNvSpPr>
           <p:nvPr>
             <p:ph type="title"/>
           </p:nvPr>
@@ -3370,6 +3392,7 @@
           <a:bodyPr>
             <a:normAutofit fontScale="90000"/>
           </a:bodyPr>
+          <a:lstStyle/>
           <a:p>
             <a:pPr>
               <a:lnSpc>
@@ -3440,7 +3463,14 @@
         <p:cNvGrpSpPr/>
         <p:nvPr/>
       </p:nvGrpSpPr>
-      <p:grpSpPr/>
+      <p:grpSpPr>
+        <a:xfrm>
+          <a:off x="0" y="0"/>
+          <a:ext cx="0" cy="0"/>
+          <a:chOff x="0" y="0"/>
+          <a:chExt cx="0" cy="0"/>
+        </a:xfrm>
+      </p:grpSpPr>
       <p:sp>
         <p:nvSpPr>
           <p:cNvPr id="5" name="文本框 4"/>
@@ -3461,12 +3491,12 @@
           <a:bodyPr wrap="square" rtlCol="0" anchor="t">
             <a:spAutoFit/>
           </a:bodyPr>
+          <a:lstStyle/>
           <a:p>
             <a:r>
               <a:rPr lang="zh-CN" altLang="en-US" sz="4000"/>
               <a:t>RxJS解决的问题</a:t>
             </a:r>
-            <a:endParaRPr lang="zh-CN" altLang="en-US" sz="4000"/>
           </a:p>
         </p:txBody>
       </p:sp>
@@ -3490,6 +3520,7 @@
           <a:bodyPr wrap="square" rtlCol="0" anchor="t">
             <a:spAutoFit/>
           </a:bodyPr>
+          <a:lstStyle/>
           <a:p>
             <a:pPr>
               <a:lnSpc>
@@ -3508,11 +3539,6 @@
               </a:rPr>
               <a:t>”末日金字塔“或者回调地狱。</a:t>
             </a:r>
-            <a:endParaRPr lang="zh-CN" altLang="en-US" sz="1400">
-              <a:solidFill>
-                <a:srgbClr val="FF0000"/>
-              </a:solidFill>
-            </a:endParaRPr>
           </a:p>
         </p:txBody>
       </p:sp>
@@ -3533,19 +3559,26 @@
         <p:cNvGrpSpPr/>
         <p:nvPr/>
       </p:nvGrpSpPr>
-      <p:grpSpPr/>
+      <p:grpSpPr>
+        <a:xfrm>
+          <a:off x="0" y="0"/>
+          <a:ext cx="0" cy="0"/>
+          <a:chOff x="0" y="0"/>
+          <a:chExt cx="0" cy="0"/>
+        </a:xfrm>
+      </p:grpSpPr>
       <p:pic>
         <p:nvPicPr>
           <p:cNvPr id="7" name="内容占位符 6"/>
           <p:cNvPicPr>
-            <a:picLocks noChangeAspect="1"/>
+            <a:picLocks noGrp="1" noChangeAspect="1"/>
           </p:cNvPicPr>
           <p:nvPr>
             <p:ph idx="1"/>
           </p:nvPr>
         </p:nvPicPr>
         <p:blipFill>
-          <a:blip r:embed="rId1"/>
+          <a:blip r:embed="rId2"/>
           <a:stretch>
             <a:fillRect/>
           </a:stretch>
@@ -3580,6 +3613,7 @@
           <a:bodyPr wrap="square" rtlCol="0">
             <a:spAutoFit/>
           </a:bodyPr>
+          <a:lstStyle/>
           <a:p>
             <a:r>
               <a:rPr lang="zh-CN" altLang="en-US" sz="4000">
@@ -3589,11 +3623,6 @@
               </a:rPr>
               <a:t>回调地狱</a:t>
             </a:r>
-            <a:endParaRPr lang="zh-CN" altLang="en-US" sz="4000">
-              <a:solidFill>
-                <a:srgbClr val="FF0000"/>
-              </a:solidFill>
-            </a:endParaRPr>
           </a:p>
         </p:txBody>
       </p:sp>
@@ -3617,6 +3646,7 @@
           <a:bodyPr wrap="square" rtlCol="0" anchor="t">
             <a:spAutoFit/>
           </a:bodyPr>
+          <a:lstStyle/>
           <a:p>
             <a:pPr>
               <a:lnSpc>
@@ -3627,7 +3657,6 @@
               <a:rPr lang="zh-CN" altLang="en-US"/>
               <a:t>这段代码有很多的问题。 其中之一就是风格。当你在这些嵌套的回调函数中添加越来越多的逻辑，这段代码就会变得很复杂很难理解。因为循环还产生了一个更加细微的问题。for循环是同步的控制流语句，这并不能很好的配合异步调用，因为会有延迟，这可能会产生很奇怪的bug。</a:t>
             </a:r>
-            <a:endParaRPr lang="zh-CN" altLang="en-US"/>
           </a:p>
         </p:txBody>
       </p:sp>
@@ -3648,7 +3677,14 @@
         <p:cNvGrpSpPr/>
         <p:nvPr/>
       </p:nvGrpSpPr>
-      <p:grpSpPr/>
+      <p:grpSpPr>
+        <a:xfrm>
+          <a:off x="0" y="0"/>
+          <a:ext cx="0" cy="0"/>
+          <a:chOff x="0" y="0"/>
+          <a:chExt cx="0" cy="0"/>
+        </a:xfrm>
+      </p:grpSpPr>
       <p:sp>
         <p:nvSpPr>
           <p:cNvPr id="4" name="文本框 3"/>
@@ -3669,6 +3705,7 @@
           <a:bodyPr wrap="square" rtlCol="0" anchor="t">
             <a:spAutoFit/>
           </a:bodyPr>
+          <a:lstStyle/>
           <a:p>
             <a:pPr>
               <a:lnSpc>
@@ -3679,7 +3716,6 @@
               <a:rPr lang="zh-CN" altLang="en-US"/>
               <a:t>JavaScript在SE6中引入了Promises。 Promises帮助开发者解决这些类似的问题，它提供了一个非常流畅的接口来捕获时间并且提供一个回调方法then()。上面的代码就变成了：</a:t>
             </a:r>
-            <a:endParaRPr lang="zh-CN" altLang="en-US"/>
           </a:p>
         </p:txBody>
       </p:sp>
@@ -3703,6 +3739,7 @@
           <a:bodyPr wrap="square" rtlCol="0">
             <a:spAutoFit/>
           </a:bodyPr>
+          <a:lstStyle/>
           <a:p>
             <a:r>
               <a:rPr lang="en-US" altLang="zh-CN" sz="4000"/>
@@ -3712,7 +3749,6 @@
               <a:rPr lang="zh-CN" altLang="en-US" sz="4000"/>
               <a:t>进步</a:t>
             </a:r>
-            <a:endParaRPr lang="zh-CN" altLang="en-US" sz="4000"/>
           </a:p>
         </p:txBody>
       </p:sp>
@@ -3725,7 +3761,7 @@
           <p:nvPr/>
         </p:nvPicPr>
         <p:blipFill>
-          <a:blip r:embed="rId1"/>
+          <a:blip r:embed="rId2"/>
           <a:stretch>
             <a:fillRect/>
           </a:stretch>
@@ -3760,6 +3796,7 @@
           <a:bodyPr wrap="square" rtlCol="0" anchor="t">
             <a:spAutoFit/>
           </a:bodyPr>
+          <a:lstStyle/>
           <a:p>
             <a:r>
               <a:rPr lang="zh-CN" altLang="en-US">
@@ -3769,11 +3806,6 @@
               </a:rPr>
               <a:t>这毫无疑问是一个进步。理解这段代码的难度显著下降。然而，尽管Promises在处理这种单值（或单个错误）时非常高效，它有也一些局限性。Promimses在处理用户连续输入的数据流时效率怎么样呢？ 这时Promises处理起来也并不高效，因为它没有事件的删除、分配、重试等等的语法定义。接下来开始讲解RxJS。</a:t>
             </a:r>
-            <a:endParaRPr lang="zh-CN" altLang="en-US">
-              <a:solidFill>
-                <a:srgbClr val="FF0000"/>
-              </a:solidFill>
-            </a:endParaRPr>
           </a:p>
         </p:txBody>
       </p:sp>
@@ -3794,7 +3826,14 @@
         <p:cNvGrpSpPr/>
         <p:nvPr/>
       </p:nvGrpSpPr>
-      <p:grpSpPr/>
+      <p:grpSpPr>
+        <a:xfrm>
+          <a:off x="0" y="0"/>
+          <a:ext cx="0" cy="0"/>
+          <a:chOff x="0" y="0"/>
+          <a:chExt cx="0" cy="0"/>
+        </a:xfrm>
+      </p:grpSpPr>
       <p:sp>
         <p:nvSpPr>
           <p:cNvPr id="2" name="标题 1"/>
@@ -3810,12 +3849,12 @@
           <a:bodyPr>
             <a:normAutofit/>
           </a:bodyPr>
+          <a:lstStyle/>
           <a:p>
             <a:r>
               <a:rPr lang="zh-CN" altLang="en-US"/>
               <a:t>RxJS 初探</a:t>
             </a:r>
-            <a:endParaRPr lang="zh-CN" altLang="en-US"/>
           </a:p>
         </p:txBody>
       </p:sp>
@@ -3837,8 +3876,9 @@
         </p:spPr>
         <p:txBody>
           <a:bodyPr>
-            <a:normAutofit lnSpcReduction="20000"/>
+            <a:normAutofit fontScale="92500"/>
           </a:bodyPr>
+          <a:lstStyle/>
           <a:p>
             <a:pPr>
               <a:lnSpc>
@@ -3881,11 +3921,6 @@
               </a:rPr>
               <a:t> 观察者模式是一个被实践证明的模式，基于生产者（事件的创建者）和消费者（事件的监听者）的逻辑分离关系.</a:t>
             </a:r>
-            <a:endParaRPr lang="zh-CN" altLang="en-US" sz="1400">
-              <a:solidFill>
-                <a:srgbClr val="FF0000"/>
-              </a:solidFill>
-            </a:endParaRPr>
           </a:p>
           <a:p>
             <a:pPr>
@@ -3909,7 +3944,6 @@
               <a:rPr lang="zh-CN" altLang="en-US" sz="1400"/>
               <a:t>函数式编程方式的引入，如说明性编程，不可变数据结构，链式方法调用会使你极大的简化代码量。（和回调代码方式说再见吧）。</a:t>
             </a:r>
-            <a:endParaRPr lang="zh-CN" altLang="en-US" sz="1400"/>
           </a:p>
           <a:p>
             <a:pPr>
@@ -3933,7 +3967,6 @@
               <a:rPr lang="zh-CN" altLang="en-US"/>
               <a:t>。</a:t>
             </a:r>
-            <a:endParaRPr lang="zh-CN" altLang="en-US"/>
           </a:p>
         </p:txBody>
       </p:sp>
@@ -3954,7 +3987,14 @@
         <p:cNvGrpSpPr/>
         <p:nvPr/>
       </p:nvGrpSpPr>
-      <p:grpSpPr/>
+      <p:grpSpPr>
+        <a:xfrm>
+          <a:off x="0" y="0"/>
+          <a:ext cx="0" cy="0"/>
+          <a:chOff x="0" y="0"/>
+          <a:chExt cx="0" cy="0"/>
+        </a:xfrm>
+      </p:grpSpPr>
       <p:sp>
         <p:nvSpPr>
           <p:cNvPr id="2" name="标题 1"/>
@@ -3975,13 +4015,13 @@
           <a:bodyPr>
             <a:normAutofit/>
           </a:bodyPr>
+          <a:lstStyle/>
           <a:p>
             <a:pPr algn="l"/>
             <a:r>
               <a:rPr lang="zh-CN" altLang="en-US" sz="4000"/>
               <a:t>理解流（ Streams）</a:t>
             </a:r>
-            <a:endParaRPr lang="zh-CN" altLang="en-US" sz="4000"/>
           </a:p>
         </p:txBody>
       </p:sp>
@@ -4003,6 +4043,7 @@
         </p:spPr>
         <p:txBody>
           <a:bodyPr/>
+          <a:lstStyle/>
           <a:p>
             <a:pPr algn="l">
               <a:lnSpc>
@@ -4021,7 +4062,6 @@
               <a:rPr lang="zh-CN" altLang="en-US" sz="1400"/>
               <a:t>。流（Streams）可以用来处理任何类型的事件，如：鼠标点击，键盘按下，网络位数据，等等。你可以把流作为变量，它有能力从数据角度对发生的改变做出反应。</a:t>
             </a:r>
-            <a:endParaRPr lang="zh-CN" altLang="en-US" sz="1400"/>
           </a:p>
         </p:txBody>
       </p:sp>
@@ -4045,13 +4085,13 @@
           <a:bodyPr wrap="none" rtlCol="0">
             <a:spAutoFit/>
           </a:bodyPr>
+          <a:lstStyle/>
           <a:p>
             <a:pPr algn="l"/>
             <a:r>
               <a:rPr lang="zh-CN" altLang="en-US"/>
               <a:t>变量和流都是动态的，但表现有些不同；为了理解它，让我们看一个简单的例子。考虑以下简单的算术运算：</a:t>
             </a:r>
-            <a:endParaRPr lang="zh-CN" altLang="en-US"/>
           </a:p>
         </p:txBody>
       </p:sp>
@@ -4064,7 +4104,7 @@
           <p:nvPr/>
         </p:nvPicPr>
         <p:blipFill>
-          <a:blip r:embed="rId1"/>
+          <a:blip r:embed="rId2"/>
           <a:stretch>
             <a:fillRect/>
           </a:stretch>
@@ -4099,19 +4139,18 @@
           <a:bodyPr wrap="square" rtlCol="0" anchor="t">
             <a:spAutoFit/>
           </a:bodyPr>
+          <a:lstStyle/>
           <a:p>
             <a:r>
               <a:rPr lang="zh-CN" altLang="en-US"/>
               <a:t>尽管变量a变为了10，但这是一种通过设计方式保证所依赖的变量不变。这就是最大的不同。事件引发的改变总是从事件源（生产者）</a:t>
             </a:r>
-            <a:endParaRPr lang="zh-CN" altLang="en-US"/>
           </a:p>
           <a:p>
             <a:r>
               <a:rPr lang="zh-CN" altLang="en-US"/>
               <a:t>向下传递到所有事件监听方（消费者）。假如说把变量看成流，下面就会这样：</a:t>
             </a:r>
-            <a:endParaRPr lang="zh-CN" altLang="en-US"/>
           </a:p>
         </p:txBody>
       </p:sp>
@@ -4124,7 +4163,7 @@
           <p:nvPr/>
         </p:nvPicPr>
         <p:blipFill>
-          <a:blip r:embed="rId2"/>
+          <a:blip r:embed="rId3"/>
           <a:stretch>
             <a:fillRect/>
           </a:stretch>
@@ -4156,7 +4195,14 @@
         <p:cNvGrpSpPr/>
         <p:nvPr/>
       </p:nvGrpSpPr>
-      <p:grpSpPr/>
+      <p:grpSpPr>
+        <a:xfrm>
+          <a:off x="0" y="0"/>
+          <a:ext cx="0" cy="0"/>
+          <a:chOff x="0" y="0"/>
+          <a:chExt cx="0" cy="0"/>
+        </a:xfrm>
+      </p:grpSpPr>
       <p:sp>
         <p:nvSpPr>
           <p:cNvPr id="2" name="标题 1"/>
@@ -4177,13 +4223,13 @@
           <a:bodyPr>
             <a:normAutofit/>
           </a:bodyPr>
+          <a:lstStyle/>
           <a:p>
             <a:pPr algn="l"/>
             <a:r>
               <a:rPr lang="zh-CN" altLang="en-US" sz="4000"/>
               <a:t>可观察数据类型</a:t>
             </a:r>
-            <a:endParaRPr lang="zh-CN" altLang="en-US" sz="4000"/>
           </a:p>
         </p:txBody>
       </p:sp>
@@ -4205,6 +4251,7 @@
         </p:spPr>
         <p:txBody>
           <a:bodyPr/>
+          <a:lstStyle/>
           <a:p>
             <a:pPr algn="l">
               <a:lnSpc>
@@ -4215,7 +4262,6 @@
               <a:rPr lang="zh-CN" altLang="en-US"/>
               <a:t>或许RxJS库最重要的部分是可观察数据类型的定义。这种类型被用于包装一个数据片段（按钮事件，键盘事件，鼠标事件，数字，字符串或者队列），这样它就有了流式数据类型的优点。</a:t>
             </a:r>
-            <a:endParaRPr lang="zh-CN" altLang="en-US"/>
           </a:p>
         </p:txBody>
       </p:sp>
@@ -4239,13 +4285,13 @@
           <a:bodyPr wrap="square" rtlCol="0">
             <a:spAutoFit/>
           </a:bodyPr>
+          <a:lstStyle/>
           <a:p>
             <a:pPr algn="l"/>
             <a:r>
               <a:rPr lang="zh-CN" altLang="en-US"/>
               <a:t>最简单的观察实例</a:t>
             </a:r>
-            <a:endParaRPr lang="zh-CN" altLang="en-US"/>
           </a:p>
           <a:p>
             <a:pPr algn="l"/>
@@ -4257,7 +4303,6 @@
               <a:rPr lang="zh-CN" altLang="en-US"/>
               <a:t>var streamA$ = Rx.Observable.of(2);</a:t>
             </a:r>
-            <a:endParaRPr lang="zh-CN" altLang="en-US"/>
           </a:p>
         </p:txBody>
       </p:sp>
@@ -4281,12 +4326,12 @@
           <a:bodyPr wrap="square" rtlCol="0" anchor="t">
             <a:spAutoFit/>
           </a:bodyPr>
+          <a:lstStyle/>
           <a:p>
             <a:r>
               <a:rPr lang="zh-CN" altLang="en-US"/>
               <a:t>我们重新使用上面的例子，这次是真正的RxJS语法。这回使用了新的API，我要详细的讲一下：</a:t>
             </a:r>
-            <a:endParaRPr lang="zh-CN" altLang="en-US"/>
           </a:p>
           <a:p>
             <a:r>
@@ -4297,35 +4342,30 @@
               <a:rPr lang="en-US" altLang="zh-CN"/>
               <a:t>//const streamA$ = Rx.Observable.of(2, 10)</a:t>
             </a:r>
-            <a:endParaRPr lang="en-US" altLang="zh-CN"/>
           </a:p>
           <a:p>
             <a:r>
               <a:rPr lang="zh-CN" altLang="en-US"/>
               <a:t>const streamB$ = Rx.Observable.of(4);</a:t>
             </a:r>
-            <a:endParaRPr lang="zh-CN" altLang="en-US"/>
           </a:p>
           <a:p>
             <a:r>
               <a:rPr lang="zh-CN" altLang="en-US"/>
               <a:t>const streamC$ = Rx.Observable.concat(streamA$, streamB$)</a:t>
             </a:r>
-            <a:endParaRPr lang="zh-CN" altLang="en-US"/>
           </a:p>
           <a:p>
             <a:r>
               <a:rPr lang="zh-CN" altLang="en-US"/>
               <a:t>  .reduce((x, y) =&gt; x  + y);</a:t>
             </a:r>
-            <a:endParaRPr lang="zh-CN" altLang="en-US"/>
           </a:p>
           <a:p>
             <a:r>
               <a:rPr lang="zh-CN" altLang="en-US"/>
               <a:t>streamC$.subscribe(console.log); //prints 6</a:t>
             </a:r>
-            <a:endParaRPr lang="zh-CN" altLang="en-US"/>
           </a:p>
         </p:txBody>
       </p:sp>
@@ -4346,7 +4386,14 @@
         <p:cNvGrpSpPr/>
         <p:nvPr/>
       </p:nvGrpSpPr>
-      <p:grpSpPr/>
+      <p:grpSpPr>
+        <a:xfrm>
+          <a:off x="0" y="0"/>
+          <a:ext cx="0" cy="0"/>
+          <a:chOff x="0" y="0"/>
+          <a:chExt cx="0" cy="0"/>
+        </a:xfrm>
+      </p:grpSpPr>
       <p:pic>
         <p:nvPicPr>
           <p:cNvPr id="4" name="图片 3"/>
@@ -4356,7 +4403,7 @@
           <p:nvPr/>
         </p:nvPicPr>
         <p:blipFill>
-          <a:blip r:embed="rId1"/>
+          <a:blip r:embed="rId2"/>
           <a:stretch>
             <a:fillRect/>
           </a:stretch>
